--- a/ppt 16-9/0941.教会灵战.pptx
+++ b/ppt 16-9/0941.教会灵战.pptx
@@ -5,7 +5,7 @@
     <p:sldMasterId id="2147483648" r:id="rId1"/>
   </p:sldMasterIdLst>
   <p:sldIdLst>
-    <p:sldId id="320" r:id="rId2"/>
+    <p:sldId id="322" r:id="rId2"/>
   </p:sldIdLst>
   <p:sldSz cx="12192000" cy="6858000"/>
   <p:notesSz cx="6858000" cy="9144000"/>
@@ -129,7 +129,7 @@
           <p:cNvPr id="2" name="标题 1">
             <a:extLst>
               <a:ext uri="{FF2B5EF4-FFF2-40B4-BE49-F238E27FC236}">
-                <a16:creationId xmlns:a16="http://schemas.microsoft.com/office/drawing/2014/main" id="{F69D1D4E-1FD2-5188-3F3A-D1F688E8F874}"/>
+                <a16:creationId xmlns:a16="http://schemas.microsoft.com/office/drawing/2014/main" id="{CFC41810-4929-95FC-39CB-D95EDE973B4C}"/>
               </a:ext>
             </a:extLst>
           </p:cNvPr>
@@ -166,7 +166,7 @@
           <p:cNvPr id="3" name="副标题 2">
             <a:extLst>
               <a:ext uri="{FF2B5EF4-FFF2-40B4-BE49-F238E27FC236}">
-                <a16:creationId xmlns:a16="http://schemas.microsoft.com/office/drawing/2014/main" id="{A5BA0BD5-EDEE-7451-F8E4-531B66D84FBF}"/>
+                <a16:creationId xmlns:a16="http://schemas.microsoft.com/office/drawing/2014/main" id="{AB8A629D-E378-9A22-0306-5050806CC246}"/>
               </a:ext>
             </a:extLst>
           </p:cNvPr>
@@ -236,7 +236,7 @@
           <p:cNvPr id="4" name="日期占位符 3">
             <a:extLst>
               <a:ext uri="{FF2B5EF4-FFF2-40B4-BE49-F238E27FC236}">
-                <a16:creationId xmlns:a16="http://schemas.microsoft.com/office/drawing/2014/main" id="{F9E706C1-99A7-84D1-04EA-284E7E258B12}"/>
+                <a16:creationId xmlns:a16="http://schemas.microsoft.com/office/drawing/2014/main" id="{0C34D02A-7780-3A04-1FA7-F2874170717C}"/>
               </a:ext>
             </a:extLst>
           </p:cNvPr>
@@ -252,7 +252,7 @@
           <a:bodyPr/>
           <a:lstStyle/>
           <a:p>
-            <a:fld id="{D3CD7CA3-9930-40BF-96EC-6A10DF152956}" type="datetimeFigureOut">
+            <a:fld id="{0E4313D1-0A15-41FE-B6FD-D05FE304465F}" type="datetimeFigureOut">
               <a:rPr lang="zh-CN" altLang="en-US" smtClean="0"/>
               <a:t>2024/3/10</a:t>
             </a:fld>
@@ -265,7 +265,7 @@
           <p:cNvPr id="5" name="页脚占位符 4">
             <a:extLst>
               <a:ext uri="{FF2B5EF4-FFF2-40B4-BE49-F238E27FC236}">
-                <a16:creationId xmlns:a16="http://schemas.microsoft.com/office/drawing/2014/main" id="{F8AA3FC3-BA10-CC00-A45C-AAF2E68F24E8}"/>
+                <a16:creationId xmlns:a16="http://schemas.microsoft.com/office/drawing/2014/main" id="{0DA3C602-A771-01E3-A434-9ED62D356F1E}"/>
               </a:ext>
             </a:extLst>
           </p:cNvPr>
@@ -290,7 +290,7 @@
           <p:cNvPr id="6" name="灯片编号占位符 5">
             <a:extLst>
               <a:ext uri="{FF2B5EF4-FFF2-40B4-BE49-F238E27FC236}">
-                <a16:creationId xmlns:a16="http://schemas.microsoft.com/office/drawing/2014/main" id="{AE4AA5E4-E105-68C0-6575-3DB99B792E6A}"/>
+                <a16:creationId xmlns:a16="http://schemas.microsoft.com/office/drawing/2014/main" id="{A9DAAA87-823F-AAC4-9276-2266587668CC}"/>
               </a:ext>
             </a:extLst>
           </p:cNvPr>
@@ -306,7 +306,7 @@
           <a:bodyPr/>
           <a:lstStyle/>
           <a:p>
-            <a:fld id="{20021A3E-0A02-4FE3-A899-9DCC412DFFF4}" type="slidenum">
+            <a:fld id="{1E53069C-BB9D-406B-AA40-2BD1DE7F28D8}" type="slidenum">
               <a:rPr lang="zh-CN" altLang="en-US" smtClean="0"/>
               <a:t>‹#›</a:t>
             </a:fld>
@@ -317,7 +317,7 @@
     </p:spTree>
     <p:extLst>
       <p:ext uri="{BB962C8B-B14F-4D97-AF65-F5344CB8AC3E}">
-        <p14:creationId xmlns:p14="http://schemas.microsoft.com/office/powerpoint/2010/main" val="2436364175"/>
+        <p14:creationId xmlns:p14="http://schemas.microsoft.com/office/powerpoint/2010/main" val="3900402051"/>
       </p:ext>
     </p:extLst>
   </p:cSld>
@@ -349,7 +349,7 @@
           <p:cNvPr id="2" name="标题 1">
             <a:extLst>
               <a:ext uri="{FF2B5EF4-FFF2-40B4-BE49-F238E27FC236}">
-                <a16:creationId xmlns:a16="http://schemas.microsoft.com/office/drawing/2014/main" id="{73D35EE3-1C56-DFA0-7D3C-6DF0160EE585}"/>
+                <a16:creationId xmlns:a16="http://schemas.microsoft.com/office/drawing/2014/main" id="{EF0E810A-8DC2-4524-C6BE-BB2C9AF0798D}"/>
               </a:ext>
             </a:extLst>
           </p:cNvPr>
@@ -377,7 +377,7 @@
           <p:cNvPr id="3" name="竖排文字占位符 2">
             <a:extLst>
               <a:ext uri="{FF2B5EF4-FFF2-40B4-BE49-F238E27FC236}">
-                <a16:creationId xmlns:a16="http://schemas.microsoft.com/office/drawing/2014/main" id="{B34F0917-53BD-5482-6FFA-D0EF13F3DE83}"/>
+                <a16:creationId xmlns:a16="http://schemas.microsoft.com/office/drawing/2014/main" id="{9395047F-4EA4-D663-6FA8-9C373AD08EAE}"/>
               </a:ext>
             </a:extLst>
           </p:cNvPr>
@@ -434,7 +434,7 @@
           <p:cNvPr id="4" name="日期占位符 3">
             <a:extLst>
               <a:ext uri="{FF2B5EF4-FFF2-40B4-BE49-F238E27FC236}">
-                <a16:creationId xmlns:a16="http://schemas.microsoft.com/office/drawing/2014/main" id="{96BE1C79-C797-1375-4736-F54B9F816851}"/>
+                <a16:creationId xmlns:a16="http://schemas.microsoft.com/office/drawing/2014/main" id="{EB8A3E05-6FFF-AFD3-78C5-376930BDD5E2}"/>
               </a:ext>
             </a:extLst>
           </p:cNvPr>
@@ -450,7 +450,7 @@
           <a:bodyPr/>
           <a:lstStyle/>
           <a:p>
-            <a:fld id="{D3CD7CA3-9930-40BF-96EC-6A10DF152956}" type="datetimeFigureOut">
+            <a:fld id="{0E4313D1-0A15-41FE-B6FD-D05FE304465F}" type="datetimeFigureOut">
               <a:rPr lang="zh-CN" altLang="en-US" smtClean="0"/>
               <a:t>2024/3/10</a:t>
             </a:fld>
@@ -463,7 +463,7 @@
           <p:cNvPr id="5" name="页脚占位符 4">
             <a:extLst>
               <a:ext uri="{FF2B5EF4-FFF2-40B4-BE49-F238E27FC236}">
-                <a16:creationId xmlns:a16="http://schemas.microsoft.com/office/drawing/2014/main" id="{C395F2D1-0ADA-0C84-1F98-32644BB9D112}"/>
+                <a16:creationId xmlns:a16="http://schemas.microsoft.com/office/drawing/2014/main" id="{0471C1A8-6692-DEAF-9B57-1423C1B96B7F}"/>
               </a:ext>
             </a:extLst>
           </p:cNvPr>
@@ -488,7 +488,7 @@
           <p:cNvPr id="6" name="灯片编号占位符 5">
             <a:extLst>
               <a:ext uri="{FF2B5EF4-FFF2-40B4-BE49-F238E27FC236}">
-                <a16:creationId xmlns:a16="http://schemas.microsoft.com/office/drawing/2014/main" id="{8F39FB88-5520-29C4-E7F7-BBA6272D8E8B}"/>
+                <a16:creationId xmlns:a16="http://schemas.microsoft.com/office/drawing/2014/main" id="{38902E6A-AC09-F38B-2D7A-AA80589685B3}"/>
               </a:ext>
             </a:extLst>
           </p:cNvPr>
@@ -504,7 +504,7 @@
           <a:bodyPr/>
           <a:lstStyle/>
           <a:p>
-            <a:fld id="{20021A3E-0A02-4FE3-A899-9DCC412DFFF4}" type="slidenum">
+            <a:fld id="{1E53069C-BB9D-406B-AA40-2BD1DE7F28D8}" type="slidenum">
               <a:rPr lang="zh-CN" altLang="en-US" smtClean="0"/>
               <a:t>‹#›</a:t>
             </a:fld>
@@ -515,7 +515,7 @@
     </p:spTree>
     <p:extLst>
       <p:ext uri="{BB962C8B-B14F-4D97-AF65-F5344CB8AC3E}">
-        <p14:creationId xmlns:p14="http://schemas.microsoft.com/office/powerpoint/2010/main" val="1699036746"/>
+        <p14:creationId xmlns:p14="http://schemas.microsoft.com/office/powerpoint/2010/main" val="3528710835"/>
       </p:ext>
     </p:extLst>
   </p:cSld>
@@ -547,7 +547,7 @@
           <p:cNvPr id="2" name="竖排标题 1">
             <a:extLst>
               <a:ext uri="{FF2B5EF4-FFF2-40B4-BE49-F238E27FC236}">
-                <a16:creationId xmlns:a16="http://schemas.microsoft.com/office/drawing/2014/main" id="{AE15EDC6-D0CB-0840-85D0-F40CD8DBA9E3}"/>
+                <a16:creationId xmlns:a16="http://schemas.microsoft.com/office/drawing/2014/main" id="{D6686220-8A71-7494-1F77-0086766951F0}"/>
               </a:ext>
             </a:extLst>
           </p:cNvPr>
@@ -580,7 +580,7 @@
           <p:cNvPr id="3" name="竖排文字占位符 2">
             <a:extLst>
               <a:ext uri="{FF2B5EF4-FFF2-40B4-BE49-F238E27FC236}">
-                <a16:creationId xmlns:a16="http://schemas.microsoft.com/office/drawing/2014/main" id="{BC2E2588-4B80-83A4-543B-81D905E60427}"/>
+                <a16:creationId xmlns:a16="http://schemas.microsoft.com/office/drawing/2014/main" id="{07EACBB0-24FB-6A25-2A56-3FC82C08CBBA}"/>
               </a:ext>
             </a:extLst>
           </p:cNvPr>
@@ -642,7 +642,7 @@
           <p:cNvPr id="4" name="日期占位符 3">
             <a:extLst>
               <a:ext uri="{FF2B5EF4-FFF2-40B4-BE49-F238E27FC236}">
-                <a16:creationId xmlns:a16="http://schemas.microsoft.com/office/drawing/2014/main" id="{6E5E8F9F-8512-4DF8-9208-CF1E7C716AFA}"/>
+                <a16:creationId xmlns:a16="http://schemas.microsoft.com/office/drawing/2014/main" id="{1C591F53-7E0C-7875-8EE0-C59A56287B40}"/>
               </a:ext>
             </a:extLst>
           </p:cNvPr>
@@ -658,7 +658,7 @@
           <a:bodyPr/>
           <a:lstStyle/>
           <a:p>
-            <a:fld id="{D3CD7CA3-9930-40BF-96EC-6A10DF152956}" type="datetimeFigureOut">
+            <a:fld id="{0E4313D1-0A15-41FE-B6FD-D05FE304465F}" type="datetimeFigureOut">
               <a:rPr lang="zh-CN" altLang="en-US" smtClean="0"/>
               <a:t>2024/3/10</a:t>
             </a:fld>
@@ -671,7 +671,7 @@
           <p:cNvPr id="5" name="页脚占位符 4">
             <a:extLst>
               <a:ext uri="{FF2B5EF4-FFF2-40B4-BE49-F238E27FC236}">
-                <a16:creationId xmlns:a16="http://schemas.microsoft.com/office/drawing/2014/main" id="{C4568C86-0516-7490-9E38-23F7CB119C24}"/>
+                <a16:creationId xmlns:a16="http://schemas.microsoft.com/office/drawing/2014/main" id="{4260E43F-A5A0-3649-64F4-794DE275CFA1}"/>
               </a:ext>
             </a:extLst>
           </p:cNvPr>
@@ -696,7 +696,7 @@
           <p:cNvPr id="6" name="灯片编号占位符 5">
             <a:extLst>
               <a:ext uri="{FF2B5EF4-FFF2-40B4-BE49-F238E27FC236}">
-                <a16:creationId xmlns:a16="http://schemas.microsoft.com/office/drawing/2014/main" id="{9D550CB0-EF28-A2B4-DA7F-A3FAECDBE297}"/>
+                <a16:creationId xmlns:a16="http://schemas.microsoft.com/office/drawing/2014/main" id="{C33FCAE5-4395-31E6-A066-1F3428D9B023}"/>
               </a:ext>
             </a:extLst>
           </p:cNvPr>
@@ -712,7 +712,7 @@
           <a:bodyPr/>
           <a:lstStyle/>
           <a:p>
-            <a:fld id="{20021A3E-0A02-4FE3-A899-9DCC412DFFF4}" type="slidenum">
+            <a:fld id="{1E53069C-BB9D-406B-AA40-2BD1DE7F28D8}" type="slidenum">
               <a:rPr lang="zh-CN" altLang="en-US" smtClean="0"/>
               <a:t>‹#›</a:t>
             </a:fld>
@@ -723,7 +723,7 @@
     </p:spTree>
     <p:extLst>
       <p:ext uri="{BB962C8B-B14F-4D97-AF65-F5344CB8AC3E}">
-        <p14:creationId xmlns:p14="http://schemas.microsoft.com/office/powerpoint/2010/main" val="2948166312"/>
+        <p14:creationId xmlns:p14="http://schemas.microsoft.com/office/powerpoint/2010/main" val="955101443"/>
       </p:ext>
     </p:extLst>
   </p:cSld>
@@ -755,7 +755,7 @@
           <p:cNvPr id="2" name="标题 1">
             <a:extLst>
               <a:ext uri="{FF2B5EF4-FFF2-40B4-BE49-F238E27FC236}">
-                <a16:creationId xmlns:a16="http://schemas.microsoft.com/office/drawing/2014/main" id="{C11923A5-7202-BDE7-3298-C9C93E681E17}"/>
+                <a16:creationId xmlns:a16="http://schemas.microsoft.com/office/drawing/2014/main" id="{21D3E4E8-5DAF-E450-836E-3F12ECAF3F5E}"/>
               </a:ext>
             </a:extLst>
           </p:cNvPr>
@@ -783,7 +783,7 @@
           <p:cNvPr id="3" name="内容占位符 2">
             <a:extLst>
               <a:ext uri="{FF2B5EF4-FFF2-40B4-BE49-F238E27FC236}">
-                <a16:creationId xmlns:a16="http://schemas.microsoft.com/office/drawing/2014/main" id="{00FA54A5-BEA3-EDC3-E443-4D5AD503BD81}"/>
+                <a16:creationId xmlns:a16="http://schemas.microsoft.com/office/drawing/2014/main" id="{C213C283-3218-0644-7619-448C7466D789}"/>
               </a:ext>
             </a:extLst>
           </p:cNvPr>
@@ -840,7 +840,7 @@
           <p:cNvPr id="4" name="日期占位符 3">
             <a:extLst>
               <a:ext uri="{FF2B5EF4-FFF2-40B4-BE49-F238E27FC236}">
-                <a16:creationId xmlns:a16="http://schemas.microsoft.com/office/drawing/2014/main" id="{E33AF4EB-B3C1-81D9-9309-8E0B4CC8A4F6}"/>
+                <a16:creationId xmlns:a16="http://schemas.microsoft.com/office/drawing/2014/main" id="{A589D0E1-5299-2EA3-076B-0173B411D0A1}"/>
               </a:ext>
             </a:extLst>
           </p:cNvPr>
@@ -856,7 +856,7 @@
           <a:bodyPr/>
           <a:lstStyle/>
           <a:p>
-            <a:fld id="{D3CD7CA3-9930-40BF-96EC-6A10DF152956}" type="datetimeFigureOut">
+            <a:fld id="{0E4313D1-0A15-41FE-B6FD-D05FE304465F}" type="datetimeFigureOut">
               <a:rPr lang="zh-CN" altLang="en-US" smtClean="0"/>
               <a:t>2024/3/10</a:t>
             </a:fld>
@@ -869,7 +869,7 @@
           <p:cNvPr id="5" name="页脚占位符 4">
             <a:extLst>
               <a:ext uri="{FF2B5EF4-FFF2-40B4-BE49-F238E27FC236}">
-                <a16:creationId xmlns:a16="http://schemas.microsoft.com/office/drawing/2014/main" id="{B7E47CF5-78F5-A39A-BB5F-73BC3E63771F}"/>
+                <a16:creationId xmlns:a16="http://schemas.microsoft.com/office/drawing/2014/main" id="{7BB1E99C-610E-A421-E8DA-E4FDC823D0B9}"/>
               </a:ext>
             </a:extLst>
           </p:cNvPr>
@@ -894,7 +894,7 @@
           <p:cNvPr id="6" name="灯片编号占位符 5">
             <a:extLst>
               <a:ext uri="{FF2B5EF4-FFF2-40B4-BE49-F238E27FC236}">
-                <a16:creationId xmlns:a16="http://schemas.microsoft.com/office/drawing/2014/main" id="{6C3316EE-4BC4-203D-A364-BC10C52B4587}"/>
+                <a16:creationId xmlns:a16="http://schemas.microsoft.com/office/drawing/2014/main" id="{C21F7249-2439-12D9-811C-EFB13D73ABD2}"/>
               </a:ext>
             </a:extLst>
           </p:cNvPr>
@@ -910,7 +910,7 @@
           <a:bodyPr/>
           <a:lstStyle/>
           <a:p>
-            <a:fld id="{20021A3E-0A02-4FE3-A899-9DCC412DFFF4}" type="slidenum">
+            <a:fld id="{1E53069C-BB9D-406B-AA40-2BD1DE7F28D8}" type="slidenum">
               <a:rPr lang="zh-CN" altLang="en-US" smtClean="0"/>
               <a:t>‹#›</a:t>
             </a:fld>
@@ -921,7 +921,7 @@
     </p:spTree>
     <p:extLst>
       <p:ext uri="{BB962C8B-B14F-4D97-AF65-F5344CB8AC3E}">
-        <p14:creationId xmlns:p14="http://schemas.microsoft.com/office/powerpoint/2010/main" val="2964715609"/>
+        <p14:creationId xmlns:p14="http://schemas.microsoft.com/office/powerpoint/2010/main" val="1048964544"/>
       </p:ext>
     </p:extLst>
   </p:cSld>
@@ -953,7 +953,7 @@
           <p:cNvPr id="2" name="标题 1">
             <a:extLst>
               <a:ext uri="{FF2B5EF4-FFF2-40B4-BE49-F238E27FC236}">
-                <a16:creationId xmlns:a16="http://schemas.microsoft.com/office/drawing/2014/main" id="{B3E3EDC1-51B4-9F72-EB0E-6EC1737A323B}"/>
+                <a16:creationId xmlns:a16="http://schemas.microsoft.com/office/drawing/2014/main" id="{40695E44-96AF-6BFA-4FD3-D7976B2DBF2C}"/>
               </a:ext>
             </a:extLst>
           </p:cNvPr>
@@ -990,7 +990,7 @@
           <p:cNvPr id="3" name="文本占位符 2">
             <a:extLst>
               <a:ext uri="{FF2B5EF4-FFF2-40B4-BE49-F238E27FC236}">
-                <a16:creationId xmlns:a16="http://schemas.microsoft.com/office/drawing/2014/main" id="{CB74FF34-390B-B959-568F-794C9BD70C36}"/>
+                <a16:creationId xmlns:a16="http://schemas.microsoft.com/office/drawing/2014/main" id="{33EDFDD9-ACD6-9654-7343-BD5032C7B7F0}"/>
               </a:ext>
             </a:extLst>
           </p:cNvPr>
@@ -1115,7 +1115,7 @@
           <p:cNvPr id="4" name="日期占位符 3">
             <a:extLst>
               <a:ext uri="{FF2B5EF4-FFF2-40B4-BE49-F238E27FC236}">
-                <a16:creationId xmlns:a16="http://schemas.microsoft.com/office/drawing/2014/main" id="{713E2466-BB93-0EDA-B391-03438A6F5EFD}"/>
+                <a16:creationId xmlns:a16="http://schemas.microsoft.com/office/drawing/2014/main" id="{212A6178-A8A5-FC23-6FF1-CA008595AA5C}"/>
               </a:ext>
             </a:extLst>
           </p:cNvPr>
@@ -1131,7 +1131,7 @@
           <a:bodyPr/>
           <a:lstStyle/>
           <a:p>
-            <a:fld id="{D3CD7CA3-9930-40BF-96EC-6A10DF152956}" type="datetimeFigureOut">
+            <a:fld id="{0E4313D1-0A15-41FE-B6FD-D05FE304465F}" type="datetimeFigureOut">
               <a:rPr lang="zh-CN" altLang="en-US" smtClean="0"/>
               <a:t>2024/3/10</a:t>
             </a:fld>
@@ -1144,7 +1144,7 @@
           <p:cNvPr id="5" name="页脚占位符 4">
             <a:extLst>
               <a:ext uri="{FF2B5EF4-FFF2-40B4-BE49-F238E27FC236}">
-                <a16:creationId xmlns:a16="http://schemas.microsoft.com/office/drawing/2014/main" id="{54863130-1E47-BA83-52AB-D5D8640361A6}"/>
+                <a16:creationId xmlns:a16="http://schemas.microsoft.com/office/drawing/2014/main" id="{27417D45-601C-A60E-40D9-D61E3E24CA09}"/>
               </a:ext>
             </a:extLst>
           </p:cNvPr>
@@ -1169,7 +1169,7 @@
           <p:cNvPr id="6" name="灯片编号占位符 5">
             <a:extLst>
               <a:ext uri="{FF2B5EF4-FFF2-40B4-BE49-F238E27FC236}">
-                <a16:creationId xmlns:a16="http://schemas.microsoft.com/office/drawing/2014/main" id="{BB025FD9-ED9B-B46C-A787-A01B8223064D}"/>
+                <a16:creationId xmlns:a16="http://schemas.microsoft.com/office/drawing/2014/main" id="{9E341AF6-559C-D48E-9B0C-495BB14BF74B}"/>
               </a:ext>
             </a:extLst>
           </p:cNvPr>
@@ -1185,7 +1185,7 @@
           <a:bodyPr/>
           <a:lstStyle/>
           <a:p>
-            <a:fld id="{20021A3E-0A02-4FE3-A899-9DCC412DFFF4}" type="slidenum">
+            <a:fld id="{1E53069C-BB9D-406B-AA40-2BD1DE7F28D8}" type="slidenum">
               <a:rPr lang="zh-CN" altLang="en-US" smtClean="0"/>
               <a:t>‹#›</a:t>
             </a:fld>
@@ -1196,7 +1196,7 @@
     </p:spTree>
     <p:extLst>
       <p:ext uri="{BB962C8B-B14F-4D97-AF65-F5344CB8AC3E}">
-        <p14:creationId xmlns:p14="http://schemas.microsoft.com/office/powerpoint/2010/main" val="3047855047"/>
+        <p14:creationId xmlns:p14="http://schemas.microsoft.com/office/powerpoint/2010/main" val="2653512221"/>
       </p:ext>
     </p:extLst>
   </p:cSld>
@@ -1228,7 +1228,7 @@
           <p:cNvPr id="2" name="标题 1">
             <a:extLst>
               <a:ext uri="{FF2B5EF4-FFF2-40B4-BE49-F238E27FC236}">
-                <a16:creationId xmlns:a16="http://schemas.microsoft.com/office/drawing/2014/main" id="{212E5581-A9F0-77B7-B39A-F7636C1D6EB6}"/>
+                <a16:creationId xmlns:a16="http://schemas.microsoft.com/office/drawing/2014/main" id="{458F1DFD-B42B-4C00-B486-A316EF2E9B6C}"/>
               </a:ext>
             </a:extLst>
           </p:cNvPr>
@@ -1256,7 +1256,7 @@
           <p:cNvPr id="3" name="内容占位符 2">
             <a:extLst>
               <a:ext uri="{FF2B5EF4-FFF2-40B4-BE49-F238E27FC236}">
-                <a16:creationId xmlns:a16="http://schemas.microsoft.com/office/drawing/2014/main" id="{D4AC9E7C-A343-9948-A484-2CD7BA449596}"/>
+                <a16:creationId xmlns:a16="http://schemas.microsoft.com/office/drawing/2014/main" id="{D1CEE89A-4A63-544A-FE98-BD13814E7BFB}"/>
               </a:ext>
             </a:extLst>
           </p:cNvPr>
@@ -1318,7 +1318,7 @@
           <p:cNvPr id="4" name="内容占位符 3">
             <a:extLst>
               <a:ext uri="{FF2B5EF4-FFF2-40B4-BE49-F238E27FC236}">
-                <a16:creationId xmlns:a16="http://schemas.microsoft.com/office/drawing/2014/main" id="{6DC16F0F-19ED-0B5C-31B9-13431E9FD574}"/>
+                <a16:creationId xmlns:a16="http://schemas.microsoft.com/office/drawing/2014/main" id="{227151B7-C81A-F82A-D332-ACD77C8B2AB7}"/>
               </a:ext>
             </a:extLst>
           </p:cNvPr>
@@ -1380,7 +1380,7 @@
           <p:cNvPr id="5" name="日期占位符 4">
             <a:extLst>
               <a:ext uri="{FF2B5EF4-FFF2-40B4-BE49-F238E27FC236}">
-                <a16:creationId xmlns:a16="http://schemas.microsoft.com/office/drawing/2014/main" id="{816F00A3-E137-F9BB-57F9-A366E5A67051}"/>
+                <a16:creationId xmlns:a16="http://schemas.microsoft.com/office/drawing/2014/main" id="{C9E8FF42-46AF-8E1A-EF89-4DA255DB6CD6}"/>
               </a:ext>
             </a:extLst>
           </p:cNvPr>
@@ -1396,7 +1396,7 @@
           <a:bodyPr/>
           <a:lstStyle/>
           <a:p>
-            <a:fld id="{D3CD7CA3-9930-40BF-96EC-6A10DF152956}" type="datetimeFigureOut">
+            <a:fld id="{0E4313D1-0A15-41FE-B6FD-D05FE304465F}" type="datetimeFigureOut">
               <a:rPr lang="zh-CN" altLang="en-US" smtClean="0"/>
               <a:t>2024/3/10</a:t>
             </a:fld>
@@ -1409,7 +1409,7 @@
           <p:cNvPr id="6" name="页脚占位符 5">
             <a:extLst>
               <a:ext uri="{FF2B5EF4-FFF2-40B4-BE49-F238E27FC236}">
-                <a16:creationId xmlns:a16="http://schemas.microsoft.com/office/drawing/2014/main" id="{F212A9B8-EDED-C162-38D3-44B86484336C}"/>
+                <a16:creationId xmlns:a16="http://schemas.microsoft.com/office/drawing/2014/main" id="{28DA05E6-5E2F-0F03-C501-0F184BCC20BE}"/>
               </a:ext>
             </a:extLst>
           </p:cNvPr>
@@ -1434,7 +1434,7 @@
           <p:cNvPr id="7" name="灯片编号占位符 6">
             <a:extLst>
               <a:ext uri="{FF2B5EF4-FFF2-40B4-BE49-F238E27FC236}">
-                <a16:creationId xmlns:a16="http://schemas.microsoft.com/office/drawing/2014/main" id="{61120A29-D814-3CA8-AA75-3F0F6F2169C7}"/>
+                <a16:creationId xmlns:a16="http://schemas.microsoft.com/office/drawing/2014/main" id="{5A2BBC83-B73B-388F-004E-2118667325C3}"/>
               </a:ext>
             </a:extLst>
           </p:cNvPr>
@@ -1450,7 +1450,7 @@
           <a:bodyPr/>
           <a:lstStyle/>
           <a:p>
-            <a:fld id="{20021A3E-0A02-4FE3-A899-9DCC412DFFF4}" type="slidenum">
+            <a:fld id="{1E53069C-BB9D-406B-AA40-2BD1DE7F28D8}" type="slidenum">
               <a:rPr lang="zh-CN" altLang="en-US" smtClean="0"/>
               <a:t>‹#›</a:t>
             </a:fld>
@@ -1461,7 +1461,7 @@
     </p:spTree>
     <p:extLst>
       <p:ext uri="{BB962C8B-B14F-4D97-AF65-F5344CB8AC3E}">
-        <p14:creationId xmlns:p14="http://schemas.microsoft.com/office/powerpoint/2010/main" val="1199250099"/>
+        <p14:creationId xmlns:p14="http://schemas.microsoft.com/office/powerpoint/2010/main" val="2272320845"/>
       </p:ext>
     </p:extLst>
   </p:cSld>
@@ -1493,7 +1493,7 @@
           <p:cNvPr id="2" name="标题 1">
             <a:extLst>
               <a:ext uri="{FF2B5EF4-FFF2-40B4-BE49-F238E27FC236}">
-                <a16:creationId xmlns:a16="http://schemas.microsoft.com/office/drawing/2014/main" id="{2EF79876-639F-3E11-3D36-7E4F6F8F8E93}"/>
+                <a16:creationId xmlns:a16="http://schemas.microsoft.com/office/drawing/2014/main" id="{B2562E86-8768-30F8-B9AF-689E1B427370}"/>
               </a:ext>
             </a:extLst>
           </p:cNvPr>
@@ -1526,7 +1526,7 @@
           <p:cNvPr id="3" name="文本占位符 2">
             <a:extLst>
               <a:ext uri="{FF2B5EF4-FFF2-40B4-BE49-F238E27FC236}">
-                <a16:creationId xmlns:a16="http://schemas.microsoft.com/office/drawing/2014/main" id="{BC315495-DF6B-0585-FFB0-9DA76123474F}"/>
+                <a16:creationId xmlns:a16="http://schemas.microsoft.com/office/drawing/2014/main" id="{18FD6D6B-6B05-4FEA-DEAE-4EA378F06C52}"/>
               </a:ext>
             </a:extLst>
           </p:cNvPr>
@@ -1597,7 +1597,7 @@
           <p:cNvPr id="4" name="内容占位符 3">
             <a:extLst>
               <a:ext uri="{FF2B5EF4-FFF2-40B4-BE49-F238E27FC236}">
-                <a16:creationId xmlns:a16="http://schemas.microsoft.com/office/drawing/2014/main" id="{EC47EF78-5576-D5B8-49ED-40CFB754C4A6}"/>
+                <a16:creationId xmlns:a16="http://schemas.microsoft.com/office/drawing/2014/main" id="{CA6FC5C3-9676-9029-7ABE-46922A42D78C}"/>
               </a:ext>
             </a:extLst>
           </p:cNvPr>
@@ -1659,7 +1659,7 @@
           <p:cNvPr id="5" name="文本占位符 4">
             <a:extLst>
               <a:ext uri="{FF2B5EF4-FFF2-40B4-BE49-F238E27FC236}">
-                <a16:creationId xmlns:a16="http://schemas.microsoft.com/office/drawing/2014/main" id="{3A614CD6-9546-536F-74DD-A30C7F2825F6}"/>
+                <a16:creationId xmlns:a16="http://schemas.microsoft.com/office/drawing/2014/main" id="{BB54A04E-CEC8-9598-E11D-DDD21DAC8BDB}"/>
               </a:ext>
             </a:extLst>
           </p:cNvPr>
@@ -1730,7 +1730,7 @@
           <p:cNvPr id="6" name="内容占位符 5">
             <a:extLst>
               <a:ext uri="{FF2B5EF4-FFF2-40B4-BE49-F238E27FC236}">
-                <a16:creationId xmlns:a16="http://schemas.microsoft.com/office/drawing/2014/main" id="{5E6ED37D-7AE1-AA7F-E8C9-007118590C27}"/>
+                <a16:creationId xmlns:a16="http://schemas.microsoft.com/office/drawing/2014/main" id="{76EDAE52-94E3-620D-720D-54332998925F}"/>
               </a:ext>
             </a:extLst>
           </p:cNvPr>
@@ -1792,7 +1792,7 @@
           <p:cNvPr id="7" name="日期占位符 6">
             <a:extLst>
               <a:ext uri="{FF2B5EF4-FFF2-40B4-BE49-F238E27FC236}">
-                <a16:creationId xmlns:a16="http://schemas.microsoft.com/office/drawing/2014/main" id="{6C0786AB-6678-3C08-B909-CD22A576EE29}"/>
+                <a16:creationId xmlns:a16="http://schemas.microsoft.com/office/drawing/2014/main" id="{F43CA8EC-CFB3-2BAB-2A6A-84B60546F436}"/>
               </a:ext>
             </a:extLst>
           </p:cNvPr>
@@ -1808,7 +1808,7 @@
           <a:bodyPr/>
           <a:lstStyle/>
           <a:p>
-            <a:fld id="{D3CD7CA3-9930-40BF-96EC-6A10DF152956}" type="datetimeFigureOut">
+            <a:fld id="{0E4313D1-0A15-41FE-B6FD-D05FE304465F}" type="datetimeFigureOut">
               <a:rPr lang="zh-CN" altLang="en-US" smtClean="0"/>
               <a:t>2024/3/10</a:t>
             </a:fld>
@@ -1821,7 +1821,7 @@
           <p:cNvPr id="8" name="页脚占位符 7">
             <a:extLst>
               <a:ext uri="{FF2B5EF4-FFF2-40B4-BE49-F238E27FC236}">
-                <a16:creationId xmlns:a16="http://schemas.microsoft.com/office/drawing/2014/main" id="{29C5F9F4-2267-F805-87BF-E78405E56934}"/>
+                <a16:creationId xmlns:a16="http://schemas.microsoft.com/office/drawing/2014/main" id="{4CA4B27B-92B0-F80A-0FB9-76C72E416331}"/>
               </a:ext>
             </a:extLst>
           </p:cNvPr>
@@ -1846,7 +1846,7 @@
           <p:cNvPr id="9" name="灯片编号占位符 8">
             <a:extLst>
               <a:ext uri="{FF2B5EF4-FFF2-40B4-BE49-F238E27FC236}">
-                <a16:creationId xmlns:a16="http://schemas.microsoft.com/office/drawing/2014/main" id="{DD800917-A6B3-52D9-E410-4BA0CA9B8C90}"/>
+                <a16:creationId xmlns:a16="http://schemas.microsoft.com/office/drawing/2014/main" id="{CE339C01-09CE-8D01-9A1D-407BEA446861}"/>
               </a:ext>
             </a:extLst>
           </p:cNvPr>
@@ -1862,7 +1862,7 @@
           <a:bodyPr/>
           <a:lstStyle/>
           <a:p>
-            <a:fld id="{20021A3E-0A02-4FE3-A899-9DCC412DFFF4}" type="slidenum">
+            <a:fld id="{1E53069C-BB9D-406B-AA40-2BD1DE7F28D8}" type="slidenum">
               <a:rPr lang="zh-CN" altLang="en-US" smtClean="0"/>
               <a:t>‹#›</a:t>
             </a:fld>
@@ -1873,7 +1873,7 @@
     </p:spTree>
     <p:extLst>
       <p:ext uri="{BB962C8B-B14F-4D97-AF65-F5344CB8AC3E}">
-        <p14:creationId xmlns:p14="http://schemas.microsoft.com/office/powerpoint/2010/main" val="2605907847"/>
+        <p14:creationId xmlns:p14="http://schemas.microsoft.com/office/powerpoint/2010/main" val="523581580"/>
       </p:ext>
     </p:extLst>
   </p:cSld>
@@ -1905,7 +1905,7 @@
           <p:cNvPr id="2" name="标题 1">
             <a:extLst>
               <a:ext uri="{FF2B5EF4-FFF2-40B4-BE49-F238E27FC236}">
-                <a16:creationId xmlns:a16="http://schemas.microsoft.com/office/drawing/2014/main" id="{5ED601BF-4DCA-6CC9-85B7-9ABFD8A44EC2}"/>
+                <a16:creationId xmlns:a16="http://schemas.microsoft.com/office/drawing/2014/main" id="{5F45BA8E-A152-CBBE-8E8E-5B77823B3C9E}"/>
               </a:ext>
             </a:extLst>
           </p:cNvPr>
@@ -1933,7 +1933,7 @@
           <p:cNvPr id="3" name="日期占位符 2">
             <a:extLst>
               <a:ext uri="{FF2B5EF4-FFF2-40B4-BE49-F238E27FC236}">
-                <a16:creationId xmlns:a16="http://schemas.microsoft.com/office/drawing/2014/main" id="{B74C4904-A305-3837-E861-D0ED8BB6952D}"/>
+                <a16:creationId xmlns:a16="http://schemas.microsoft.com/office/drawing/2014/main" id="{5A815E97-7782-C334-4CC0-94BBC39E5A3F}"/>
               </a:ext>
             </a:extLst>
           </p:cNvPr>
@@ -1949,7 +1949,7 @@
           <a:bodyPr/>
           <a:lstStyle/>
           <a:p>
-            <a:fld id="{D3CD7CA3-9930-40BF-96EC-6A10DF152956}" type="datetimeFigureOut">
+            <a:fld id="{0E4313D1-0A15-41FE-B6FD-D05FE304465F}" type="datetimeFigureOut">
               <a:rPr lang="zh-CN" altLang="en-US" smtClean="0"/>
               <a:t>2024/3/10</a:t>
             </a:fld>
@@ -1962,7 +1962,7 @@
           <p:cNvPr id="4" name="页脚占位符 3">
             <a:extLst>
               <a:ext uri="{FF2B5EF4-FFF2-40B4-BE49-F238E27FC236}">
-                <a16:creationId xmlns:a16="http://schemas.microsoft.com/office/drawing/2014/main" id="{56937DA6-D234-6FEE-DD27-CC8101A91B4C}"/>
+                <a16:creationId xmlns:a16="http://schemas.microsoft.com/office/drawing/2014/main" id="{395CD8DE-A133-4A5C-DD26-A0CB05F03F68}"/>
               </a:ext>
             </a:extLst>
           </p:cNvPr>
@@ -1987,7 +1987,7 @@
           <p:cNvPr id="5" name="灯片编号占位符 4">
             <a:extLst>
               <a:ext uri="{FF2B5EF4-FFF2-40B4-BE49-F238E27FC236}">
-                <a16:creationId xmlns:a16="http://schemas.microsoft.com/office/drawing/2014/main" id="{5D644AC9-AA0A-DC14-0A2A-5C1AC9CAA888}"/>
+                <a16:creationId xmlns:a16="http://schemas.microsoft.com/office/drawing/2014/main" id="{101F71BE-0A22-4D76-F0E9-5994C9010602}"/>
               </a:ext>
             </a:extLst>
           </p:cNvPr>
@@ -2003,7 +2003,7 @@
           <a:bodyPr/>
           <a:lstStyle/>
           <a:p>
-            <a:fld id="{20021A3E-0A02-4FE3-A899-9DCC412DFFF4}" type="slidenum">
+            <a:fld id="{1E53069C-BB9D-406B-AA40-2BD1DE7F28D8}" type="slidenum">
               <a:rPr lang="zh-CN" altLang="en-US" smtClean="0"/>
               <a:t>‹#›</a:t>
             </a:fld>
@@ -2014,7 +2014,7 @@
     </p:spTree>
     <p:extLst>
       <p:ext uri="{BB962C8B-B14F-4D97-AF65-F5344CB8AC3E}">
-        <p14:creationId xmlns:p14="http://schemas.microsoft.com/office/powerpoint/2010/main" val="1769410869"/>
+        <p14:creationId xmlns:p14="http://schemas.microsoft.com/office/powerpoint/2010/main" val="2180129858"/>
       </p:ext>
     </p:extLst>
   </p:cSld>
@@ -2046,7 +2046,7 @@
           <p:cNvPr id="2" name="日期占位符 1">
             <a:extLst>
               <a:ext uri="{FF2B5EF4-FFF2-40B4-BE49-F238E27FC236}">
-                <a16:creationId xmlns:a16="http://schemas.microsoft.com/office/drawing/2014/main" id="{8AEA0E57-85F6-7DEB-2B0F-246C3526CA2F}"/>
+                <a16:creationId xmlns:a16="http://schemas.microsoft.com/office/drawing/2014/main" id="{FF99D30A-6D88-2A94-04C0-A36C35A1468E}"/>
               </a:ext>
             </a:extLst>
           </p:cNvPr>
@@ -2062,7 +2062,7 @@
           <a:bodyPr/>
           <a:lstStyle/>
           <a:p>
-            <a:fld id="{D3CD7CA3-9930-40BF-96EC-6A10DF152956}" type="datetimeFigureOut">
+            <a:fld id="{0E4313D1-0A15-41FE-B6FD-D05FE304465F}" type="datetimeFigureOut">
               <a:rPr lang="zh-CN" altLang="en-US" smtClean="0"/>
               <a:t>2024/3/10</a:t>
             </a:fld>
@@ -2075,7 +2075,7 @@
           <p:cNvPr id="3" name="页脚占位符 2">
             <a:extLst>
               <a:ext uri="{FF2B5EF4-FFF2-40B4-BE49-F238E27FC236}">
-                <a16:creationId xmlns:a16="http://schemas.microsoft.com/office/drawing/2014/main" id="{271DEF04-866B-E70C-1B1A-6C70C0D487B6}"/>
+                <a16:creationId xmlns:a16="http://schemas.microsoft.com/office/drawing/2014/main" id="{BCE466A1-8218-8BFD-A0C2-118A7418C670}"/>
               </a:ext>
             </a:extLst>
           </p:cNvPr>
@@ -2100,7 +2100,7 @@
           <p:cNvPr id="4" name="灯片编号占位符 3">
             <a:extLst>
               <a:ext uri="{FF2B5EF4-FFF2-40B4-BE49-F238E27FC236}">
-                <a16:creationId xmlns:a16="http://schemas.microsoft.com/office/drawing/2014/main" id="{82AA9B90-9359-762F-1CF3-D2934D84D417}"/>
+                <a16:creationId xmlns:a16="http://schemas.microsoft.com/office/drawing/2014/main" id="{34904C8C-6E3B-C983-7B75-79A4CAD7557F}"/>
               </a:ext>
             </a:extLst>
           </p:cNvPr>
@@ -2116,7 +2116,7 @@
           <a:bodyPr/>
           <a:lstStyle/>
           <a:p>
-            <a:fld id="{20021A3E-0A02-4FE3-A899-9DCC412DFFF4}" type="slidenum">
+            <a:fld id="{1E53069C-BB9D-406B-AA40-2BD1DE7F28D8}" type="slidenum">
               <a:rPr lang="zh-CN" altLang="en-US" smtClean="0"/>
               <a:t>‹#›</a:t>
             </a:fld>
@@ -2127,7 +2127,7 @@
     </p:spTree>
     <p:extLst>
       <p:ext uri="{BB962C8B-B14F-4D97-AF65-F5344CB8AC3E}">
-        <p14:creationId xmlns:p14="http://schemas.microsoft.com/office/powerpoint/2010/main" val="3653188342"/>
+        <p14:creationId xmlns:p14="http://schemas.microsoft.com/office/powerpoint/2010/main" val="1435779112"/>
       </p:ext>
     </p:extLst>
   </p:cSld>
@@ -2159,7 +2159,7 @@
           <p:cNvPr id="2" name="标题 1">
             <a:extLst>
               <a:ext uri="{FF2B5EF4-FFF2-40B4-BE49-F238E27FC236}">
-                <a16:creationId xmlns:a16="http://schemas.microsoft.com/office/drawing/2014/main" id="{8CDAA91A-2C48-DF8A-FD85-4B7008C977F1}"/>
+                <a16:creationId xmlns:a16="http://schemas.microsoft.com/office/drawing/2014/main" id="{B1817E57-3F37-9EBE-0BE7-10BEC83897A4}"/>
               </a:ext>
             </a:extLst>
           </p:cNvPr>
@@ -2196,7 +2196,7 @@
           <p:cNvPr id="3" name="内容占位符 2">
             <a:extLst>
               <a:ext uri="{FF2B5EF4-FFF2-40B4-BE49-F238E27FC236}">
-                <a16:creationId xmlns:a16="http://schemas.microsoft.com/office/drawing/2014/main" id="{94A71013-94AA-B3F2-E701-6EFD52361EC5}"/>
+                <a16:creationId xmlns:a16="http://schemas.microsoft.com/office/drawing/2014/main" id="{F7E2A943-32C0-A9D2-4E50-96B6383439E3}"/>
               </a:ext>
             </a:extLst>
           </p:cNvPr>
@@ -2286,7 +2286,7 @@
           <p:cNvPr id="4" name="文本占位符 3">
             <a:extLst>
               <a:ext uri="{FF2B5EF4-FFF2-40B4-BE49-F238E27FC236}">
-                <a16:creationId xmlns:a16="http://schemas.microsoft.com/office/drawing/2014/main" id="{39A6DD8A-345A-3CCD-1BE6-210804DE5C2D}"/>
+                <a16:creationId xmlns:a16="http://schemas.microsoft.com/office/drawing/2014/main" id="{CBEF1586-1D5E-035D-5AE5-55AAF7F93E2C}"/>
               </a:ext>
             </a:extLst>
           </p:cNvPr>
@@ -2357,7 +2357,7 @@
           <p:cNvPr id="5" name="日期占位符 4">
             <a:extLst>
               <a:ext uri="{FF2B5EF4-FFF2-40B4-BE49-F238E27FC236}">
-                <a16:creationId xmlns:a16="http://schemas.microsoft.com/office/drawing/2014/main" id="{D0E4163E-5A05-F153-6F61-27A373E32C3E}"/>
+                <a16:creationId xmlns:a16="http://schemas.microsoft.com/office/drawing/2014/main" id="{E273B24F-838B-9FB5-C9BC-9EBE9C35AB8F}"/>
               </a:ext>
             </a:extLst>
           </p:cNvPr>
@@ -2373,7 +2373,7 @@
           <a:bodyPr/>
           <a:lstStyle/>
           <a:p>
-            <a:fld id="{D3CD7CA3-9930-40BF-96EC-6A10DF152956}" type="datetimeFigureOut">
+            <a:fld id="{0E4313D1-0A15-41FE-B6FD-D05FE304465F}" type="datetimeFigureOut">
               <a:rPr lang="zh-CN" altLang="en-US" smtClean="0"/>
               <a:t>2024/3/10</a:t>
             </a:fld>
@@ -2386,7 +2386,7 @@
           <p:cNvPr id="6" name="页脚占位符 5">
             <a:extLst>
               <a:ext uri="{FF2B5EF4-FFF2-40B4-BE49-F238E27FC236}">
-                <a16:creationId xmlns:a16="http://schemas.microsoft.com/office/drawing/2014/main" id="{26F4A0B3-BAAA-AF2E-9F41-F037BB417D88}"/>
+                <a16:creationId xmlns:a16="http://schemas.microsoft.com/office/drawing/2014/main" id="{915BC4F7-2027-3C0C-AF27-3EDB18D5F198}"/>
               </a:ext>
             </a:extLst>
           </p:cNvPr>
@@ -2411,7 +2411,7 @@
           <p:cNvPr id="7" name="灯片编号占位符 6">
             <a:extLst>
               <a:ext uri="{FF2B5EF4-FFF2-40B4-BE49-F238E27FC236}">
-                <a16:creationId xmlns:a16="http://schemas.microsoft.com/office/drawing/2014/main" id="{31B0B45E-538C-08DA-7BE7-0F03306D2A11}"/>
+                <a16:creationId xmlns:a16="http://schemas.microsoft.com/office/drawing/2014/main" id="{FD52AD90-D6BE-1CDE-A431-47C1B073606F}"/>
               </a:ext>
             </a:extLst>
           </p:cNvPr>
@@ -2427,7 +2427,7 @@
           <a:bodyPr/>
           <a:lstStyle/>
           <a:p>
-            <a:fld id="{20021A3E-0A02-4FE3-A899-9DCC412DFFF4}" type="slidenum">
+            <a:fld id="{1E53069C-BB9D-406B-AA40-2BD1DE7F28D8}" type="slidenum">
               <a:rPr lang="zh-CN" altLang="en-US" smtClean="0"/>
               <a:t>‹#›</a:t>
             </a:fld>
@@ -2438,7 +2438,7 @@
     </p:spTree>
     <p:extLst>
       <p:ext uri="{BB962C8B-B14F-4D97-AF65-F5344CB8AC3E}">
-        <p14:creationId xmlns:p14="http://schemas.microsoft.com/office/powerpoint/2010/main" val="1260112104"/>
+        <p14:creationId xmlns:p14="http://schemas.microsoft.com/office/powerpoint/2010/main" val="102929338"/>
       </p:ext>
     </p:extLst>
   </p:cSld>
@@ -2470,7 +2470,7 @@
           <p:cNvPr id="2" name="标题 1">
             <a:extLst>
               <a:ext uri="{FF2B5EF4-FFF2-40B4-BE49-F238E27FC236}">
-                <a16:creationId xmlns:a16="http://schemas.microsoft.com/office/drawing/2014/main" id="{2739E528-BCB4-708F-F1FF-ABC36FA81942}"/>
+                <a16:creationId xmlns:a16="http://schemas.microsoft.com/office/drawing/2014/main" id="{29455176-35C2-713A-A517-53B319DB9B25}"/>
               </a:ext>
             </a:extLst>
           </p:cNvPr>
@@ -2507,7 +2507,7 @@
           <p:cNvPr id="3" name="图片占位符 2">
             <a:extLst>
               <a:ext uri="{FF2B5EF4-FFF2-40B4-BE49-F238E27FC236}">
-                <a16:creationId xmlns:a16="http://schemas.microsoft.com/office/drawing/2014/main" id="{F55135D8-E02A-E4FC-CDB8-8B0BE843A062}"/>
+                <a16:creationId xmlns:a16="http://schemas.microsoft.com/office/drawing/2014/main" id="{A1183EE2-0985-9667-C972-6614D0D140C1}"/>
               </a:ext>
             </a:extLst>
           </p:cNvPr>
@@ -2574,7 +2574,7 @@
           <p:cNvPr id="4" name="文本占位符 3">
             <a:extLst>
               <a:ext uri="{FF2B5EF4-FFF2-40B4-BE49-F238E27FC236}">
-                <a16:creationId xmlns:a16="http://schemas.microsoft.com/office/drawing/2014/main" id="{5BBDE51B-93E5-E019-5E23-B21BA61CB2B4}"/>
+                <a16:creationId xmlns:a16="http://schemas.microsoft.com/office/drawing/2014/main" id="{EA980060-87FE-10EC-5010-3C1FA9E2132A}"/>
               </a:ext>
             </a:extLst>
           </p:cNvPr>
@@ -2645,7 +2645,7 @@
           <p:cNvPr id="5" name="日期占位符 4">
             <a:extLst>
               <a:ext uri="{FF2B5EF4-FFF2-40B4-BE49-F238E27FC236}">
-                <a16:creationId xmlns:a16="http://schemas.microsoft.com/office/drawing/2014/main" id="{93BCB612-C3F8-00D2-D2AD-F586957682FD}"/>
+                <a16:creationId xmlns:a16="http://schemas.microsoft.com/office/drawing/2014/main" id="{77B250CA-C153-533D-B719-C43C8755496F}"/>
               </a:ext>
             </a:extLst>
           </p:cNvPr>
@@ -2661,7 +2661,7 @@
           <a:bodyPr/>
           <a:lstStyle/>
           <a:p>
-            <a:fld id="{D3CD7CA3-9930-40BF-96EC-6A10DF152956}" type="datetimeFigureOut">
+            <a:fld id="{0E4313D1-0A15-41FE-B6FD-D05FE304465F}" type="datetimeFigureOut">
               <a:rPr lang="zh-CN" altLang="en-US" smtClean="0"/>
               <a:t>2024/3/10</a:t>
             </a:fld>
@@ -2674,7 +2674,7 @@
           <p:cNvPr id="6" name="页脚占位符 5">
             <a:extLst>
               <a:ext uri="{FF2B5EF4-FFF2-40B4-BE49-F238E27FC236}">
-                <a16:creationId xmlns:a16="http://schemas.microsoft.com/office/drawing/2014/main" id="{5DAC9F2F-9339-A379-99DD-24AD588BA800}"/>
+                <a16:creationId xmlns:a16="http://schemas.microsoft.com/office/drawing/2014/main" id="{82D41584-E722-AEBB-C4F8-588FC3F779D9}"/>
               </a:ext>
             </a:extLst>
           </p:cNvPr>
@@ -2699,7 +2699,7 @@
           <p:cNvPr id="7" name="灯片编号占位符 6">
             <a:extLst>
               <a:ext uri="{FF2B5EF4-FFF2-40B4-BE49-F238E27FC236}">
-                <a16:creationId xmlns:a16="http://schemas.microsoft.com/office/drawing/2014/main" id="{7DAA819A-75C7-3697-C4C2-8FD36BE875A1}"/>
+                <a16:creationId xmlns:a16="http://schemas.microsoft.com/office/drawing/2014/main" id="{B6F8F06A-4E01-875C-1E9C-61AC75DD8007}"/>
               </a:ext>
             </a:extLst>
           </p:cNvPr>
@@ -2715,7 +2715,7 @@
           <a:bodyPr/>
           <a:lstStyle/>
           <a:p>
-            <a:fld id="{20021A3E-0A02-4FE3-A899-9DCC412DFFF4}" type="slidenum">
+            <a:fld id="{1E53069C-BB9D-406B-AA40-2BD1DE7F28D8}" type="slidenum">
               <a:rPr lang="zh-CN" altLang="en-US" smtClean="0"/>
               <a:t>‹#›</a:t>
             </a:fld>
@@ -2726,7 +2726,7 @@
     </p:spTree>
     <p:extLst>
       <p:ext uri="{BB962C8B-B14F-4D97-AF65-F5344CB8AC3E}">
-        <p14:creationId xmlns:p14="http://schemas.microsoft.com/office/powerpoint/2010/main" val="3219818989"/>
+        <p14:creationId xmlns:p14="http://schemas.microsoft.com/office/powerpoint/2010/main" val="2019100940"/>
       </p:ext>
     </p:extLst>
   </p:cSld>
@@ -2763,7 +2763,7 @@
           <p:cNvPr id="2" name="标题占位符 1">
             <a:extLst>
               <a:ext uri="{FF2B5EF4-FFF2-40B4-BE49-F238E27FC236}">
-                <a16:creationId xmlns:a16="http://schemas.microsoft.com/office/drawing/2014/main" id="{05794F3C-79B5-F5B7-7D37-3C670F5FFD36}"/>
+                <a16:creationId xmlns:a16="http://schemas.microsoft.com/office/drawing/2014/main" id="{CEC0776B-F1A7-78E3-C835-2B680F1C28C9}"/>
               </a:ext>
             </a:extLst>
           </p:cNvPr>
@@ -2801,7 +2801,7 @@
           <p:cNvPr id="3" name="文本占位符 2">
             <a:extLst>
               <a:ext uri="{FF2B5EF4-FFF2-40B4-BE49-F238E27FC236}">
-                <a16:creationId xmlns:a16="http://schemas.microsoft.com/office/drawing/2014/main" id="{A36EF994-46E7-0907-AC08-9A46CBA69507}"/>
+                <a16:creationId xmlns:a16="http://schemas.microsoft.com/office/drawing/2014/main" id="{69AD63BD-E15E-4CB7-28A6-2E5473D69835}"/>
               </a:ext>
             </a:extLst>
           </p:cNvPr>
@@ -2868,7 +2868,7 @@
           <p:cNvPr id="4" name="日期占位符 3">
             <a:extLst>
               <a:ext uri="{FF2B5EF4-FFF2-40B4-BE49-F238E27FC236}">
-                <a16:creationId xmlns:a16="http://schemas.microsoft.com/office/drawing/2014/main" id="{A153996D-BB97-33C9-24BA-FF2DDEC59CAB}"/>
+                <a16:creationId xmlns:a16="http://schemas.microsoft.com/office/drawing/2014/main" id="{EB2B06CE-65AF-A7F5-EB60-25AD4A3B3986}"/>
               </a:ext>
             </a:extLst>
           </p:cNvPr>
@@ -2902,7 +2902,7 @@
             </a:lvl1pPr>
           </a:lstStyle>
           <a:p>
-            <a:fld id="{D3CD7CA3-9930-40BF-96EC-6A10DF152956}" type="datetimeFigureOut">
+            <a:fld id="{0E4313D1-0A15-41FE-B6FD-D05FE304465F}" type="datetimeFigureOut">
               <a:rPr lang="zh-CN" altLang="en-US" smtClean="0"/>
               <a:t>2024/3/10</a:t>
             </a:fld>
@@ -2915,7 +2915,7 @@
           <p:cNvPr id="5" name="页脚占位符 4">
             <a:extLst>
               <a:ext uri="{FF2B5EF4-FFF2-40B4-BE49-F238E27FC236}">
-                <a16:creationId xmlns:a16="http://schemas.microsoft.com/office/drawing/2014/main" id="{197E4014-75B8-F2ED-BAB3-9C7BE6F54333}"/>
+                <a16:creationId xmlns:a16="http://schemas.microsoft.com/office/drawing/2014/main" id="{003D427C-185F-588E-F72F-062770E98C1C}"/>
               </a:ext>
             </a:extLst>
           </p:cNvPr>
@@ -2958,7 +2958,7 @@
           <p:cNvPr id="6" name="灯片编号占位符 5">
             <a:extLst>
               <a:ext uri="{FF2B5EF4-FFF2-40B4-BE49-F238E27FC236}">
-                <a16:creationId xmlns:a16="http://schemas.microsoft.com/office/drawing/2014/main" id="{2A27AA81-5055-FA71-E3A2-28C549DA6101}"/>
+                <a16:creationId xmlns:a16="http://schemas.microsoft.com/office/drawing/2014/main" id="{C927B95E-931D-62D2-9DF5-12B0919D0BC8}"/>
               </a:ext>
             </a:extLst>
           </p:cNvPr>
@@ -2992,7 +2992,7 @@
             </a:lvl1pPr>
           </a:lstStyle>
           <a:p>
-            <a:fld id="{20021A3E-0A02-4FE3-A899-9DCC412DFFF4}" type="slidenum">
+            <a:fld id="{1E53069C-BB9D-406B-AA40-2BD1DE7F28D8}" type="slidenum">
               <a:rPr lang="zh-CN" altLang="en-US" smtClean="0"/>
               <a:t>‹#›</a:t>
             </a:fld>
@@ -3003,7 +3003,7 @@
     </p:spTree>
     <p:extLst>
       <p:ext uri="{BB962C8B-B14F-4D97-AF65-F5344CB8AC3E}">
-        <p14:creationId xmlns:p14="http://schemas.microsoft.com/office/powerpoint/2010/main" val="2041695772"/>
+        <p14:creationId xmlns:p14="http://schemas.microsoft.com/office/powerpoint/2010/main" val="2072132292"/>
       </p:ext>
     </p:extLst>
   </p:cSld>
@@ -3323,7 +3323,7 @@
       </p:grpSpPr>
       <p:pic>
         <p:nvPicPr>
-          <p:cNvPr id="963586" name="Picture 2" descr="940"/>
+          <p:cNvPr id="964610" name="Picture 2" descr="941"/>
           <p:cNvPicPr>
             <a:picLocks noChangeAspect="1" noChangeArrowheads="1"/>
           </p:cNvPicPr>
